--- a/wp-content/images/2018-05-12-msa-labs2-selfhost/diagram.pptx
+++ b/wp-content/images/2018-05-12-msa-labs2-selfhost/diagram.pptx
@@ -106,6 +106,11 @@
       </a:defRPr>
     </a:lvl9pPr>
   </p:defaultTextStyle>
+  <p:extLst>
+    <p:ext uri="{EFAFB233-063F-42B5-8137-9DF3F51BA10A}">
+      <p15:sldGuideLst xmlns:p15="http://schemas.microsoft.com/office/powerpoint/2012/main"/>
+    </p:ext>
+  </p:extLst>
 </p:presentation>
 </file>
 
@@ -240,7 +245,7 @@
           <a:p>
             <a:fld id="{44887BF9-D986-4548-A059-B936A5870E37}" type="datetimeFigureOut">
               <a:rPr lang="en-US" smtClean="0"/>
-              <a:t>5/15/2018</a:t>
+              <a:t>5/20/2018</a:t>
             </a:fld>
             <a:endParaRPr lang="en-US"/>
           </a:p>
@@ -410,7 +415,7 @@
           <a:p>
             <a:fld id="{44887BF9-D986-4548-A059-B936A5870E37}" type="datetimeFigureOut">
               <a:rPr lang="en-US" smtClean="0"/>
-              <a:t>5/15/2018</a:t>
+              <a:t>5/20/2018</a:t>
             </a:fld>
             <a:endParaRPr lang="en-US"/>
           </a:p>
@@ -590,7 +595,7 @@
           <a:p>
             <a:fld id="{44887BF9-D986-4548-A059-B936A5870E37}" type="datetimeFigureOut">
               <a:rPr lang="en-US" smtClean="0"/>
-              <a:t>5/15/2018</a:t>
+              <a:t>5/20/2018</a:t>
             </a:fld>
             <a:endParaRPr lang="en-US"/>
           </a:p>
@@ -760,7 +765,7 @@
           <a:p>
             <a:fld id="{44887BF9-D986-4548-A059-B936A5870E37}" type="datetimeFigureOut">
               <a:rPr lang="en-US" smtClean="0"/>
-              <a:t>5/15/2018</a:t>
+              <a:t>5/20/2018</a:t>
             </a:fld>
             <a:endParaRPr lang="en-US"/>
           </a:p>
@@ -1006,7 +1011,7 @@
           <a:p>
             <a:fld id="{44887BF9-D986-4548-A059-B936A5870E37}" type="datetimeFigureOut">
               <a:rPr lang="en-US" smtClean="0"/>
-              <a:t>5/15/2018</a:t>
+              <a:t>5/20/2018</a:t>
             </a:fld>
             <a:endParaRPr lang="en-US"/>
           </a:p>
@@ -1238,7 +1243,7 @@
           <a:p>
             <a:fld id="{44887BF9-D986-4548-A059-B936A5870E37}" type="datetimeFigureOut">
               <a:rPr lang="en-US" smtClean="0"/>
-              <a:t>5/15/2018</a:t>
+              <a:t>5/20/2018</a:t>
             </a:fld>
             <a:endParaRPr lang="en-US"/>
           </a:p>
@@ -1605,7 +1610,7 @@
           <a:p>
             <a:fld id="{44887BF9-D986-4548-A059-B936A5870E37}" type="datetimeFigureOut">
               <a:rPr lang="en-US" smtClean="0"/>
-              <a:t>5/15/2018</a:t>
+              <a:t>5/20/2018</a:t>
             </a:fld>
             <a:endParaRPr lang="en-US"/>
           </a:p>
@@ -1723,7 +1728,7 @@
           <a:p>
             <a:fld id="{44887BF9-D986-4548-A059-B936A5870E37}" type="datetimeFigureOut">
               <a:rPr lang="en-US" smtClean="0"/>
-              <a:t>5/15/2018</a:t>
+              <a:t>5/20/2018</a:t>
             </a:fld>
             <a:endParaRPr lang="en-US"/>
           </a:p>
@@ -1818,7 +1823,7 @@
           <a:p>
             <a:fld id="{44887BF9-D986-4548-A059-B936A5870E37}" type="datetimeFigureOut">
               <a:rPr lang="en-US" smtClean="0"/>
-              <a:t>5/15/2018</a:t>
+              <a:t>5/20/2018</a:t>
             </a:fld>
             <a:endParaRPr lang="en-US"/>
           </a:p>
@@ -2095,7 +2100,7 @@
           <a:p>
             <a:fld id="{44887BF9-D986-4548-A059-B936A5870E37}" type="datetimeFigureOut">
               <a:rPr lang="en-US" smtClean="0"/>
-              <a:t>5/15/2018</a:t>
+              <a:t>5/20/2018</a:t>
             </a:fld>
             <a:endParaRPr lang="en-US"/>
           </a:p>
@@ -2348,7 +2353,7 @@
           <a:p>
             <a:fld id="{44887BF9-D986-4548-A059-B936A5870E37}" type="datetimeFigureOut">
               <a:rPr lang="en-US" smtClean="0"/>
-              <a:t>5/15/2018</a:t>
+              <a:t>5/20/2018</a:t>
             </a:fld>
             <a:endParaRPr lang="en-US"/>
           </a:p>
@@ -2561,7 +2566,7 @@
           <a:p>
             <a:fld id="{44887BF9-D986-4548-A059-B936A5870E37}" type="datetimeFigureOut">
               <a:rPr lang="en-US" smtClean="0"/>
-              <a:t>5/15/2018</a:t>
+              <a:t>5/20/2018</a:t>
             </a:fld>
             <a:endParaRPr lang="en-US"/>
           </a:p>
@@ -5229,7 +5234,7 @@
         <p:spPr>
           <a:xfrm>
             <a:off x="1981108" y="5119158"/>
-            <a:ext cx="8132897" cy="333633"/>
+            <a:ext cx="6229957" cy="333633"/>
           </a:xfrm>
           <a:prstGeom prst="rect">
             <a:avLst/>
@@ -5492,7 +5497,7 @@
         <p:spPr>
           <a:xfrm>
             <a:off x="4419218" y="1367276"/>
-            <a:ext cx="2792111" cy="369332"/>
+            <a:ext cx="2862643" cy="369332"/>
           </a:xfrm>
           <a:prstGeom prst="rect">
             <a:avLst/>
@@ -5516,8 +5521,12 @@
               <a:t>WebAPP.Start</a:t>
             </a:r>
             <a:r>
+              <a:rPr lang="en-US" smtClean="0"/>
+              <a:t>(…)) </a:t>
+            </a:r>
+            <a:r>
               <a:rPr lang="en-US" dirty="0" smtClean="0"/>
-              <a:t>(…) { … }</a:t>
+              <a:t>{ … }</a:t>
             </a:r>
             <a:endParaRPr lang="en-US" dirty="0"/>
           </a:p>
@@ -5676,11 +5685,7 @@
             </a:r>
             <a:r>
               <a:rPr lang="zh-TW" altLang="en-US" dirty="0" smtClean="0"/>
-              <a:t> </a:t>
-            </a:r>
-            <a:r>
-              <a:rPr lang="zh-TW" altLang="en-US" dirty="0" smtClean="0"/>
-              <a:t>實際執行的部分</a:t>
+              <a:t> 實際執行的部分</a:t>
             </a:r>
             <a:r>
               <a:rPr lang="en-US" altLang="zh-TW" dirty="0" smtClean="0"/>
@@ -5967,6 +5972,89 @@
             <a:r>
               <a:rPr lang="en-US" altLang="zh-TW" dirty="0" err="1" smtClean="0"/>
               <a:t>form.shutdown</a:t>
+            </a:r>
+            <a:endParaRPr lang="en-US" dirty="0"/>
+          </a:p>
+        </p:txBody>
+      </p:sp>
+      <p:sp>
+        <p:nvSpPr>
+          <p:cNvPr id="2" name="矩形 1"/>
+          <p:cNvSpPr/>
+          <p:nvPr/>
+        </p:nvSpPr>
+        <p:spPr>
+          <a:xfrm>
+            <a:off x="8229599" y="5119158"/>
+            <a:ext cx="1810265" cy="333633"/>
+          </a:xfrm>
+          <a:prstGeom prst="rect">
+            <a:avLst/>
+          </a:prstGeom>
+          <a:ln>
+            <a:prstDash val="dash"/>
+          </a:ln>
+        </p:spPr>
+        <p:style>
+          <a:lnRef idx="2">
+            <a:schemeClr val="dk1"/>
+          </a:lnRef>
+          <a:fillRef idx="1">
+            <a:schemeClr val="lt1"/>
+          </a:fillRef>
+          <a:effectRef idx="0">
+            <a:schemeClr val="dk1"/>
+          </a:effectRef>
+          <a:fontRef idx="minor">
+            <a:schemeClr val="dk1"/>
+          </a:fontRef>
+        </p:style>
+        <p:txBody>
+          <a:bodyPr rtlCol="0" anchor="ctr"/>
+          <a:lstStyle/>
+          <a:p>
+            <a:pPr algn="ctr"/>
+            <a:r>
+              <a:rPr lang="en-US" dirty="0" err="1" smtClean="0"/>
+              <a:t>SpinWait</a:t>
+            </a:r>
+            <a:r>
+              <a:rPr lang="en-US" dirty="0" smtClean="0"/>
+              <a:t>()</a:t>
+            </a:r>
+            <a:endParaRPr lang="en-US" dirty="0"/>
+          </a:p>
+        </p:txBody>
+      </p:sp>
+      <p:sp>
+        <p:nvSpPr>
+          <p:cNvPr id="3" name="文字方塊 2"/>
+          <p:cNvSpPr txBox="1"/>
+          <p:nvPr/>
+        </p:nvSpPr>
+        <p:spPr>
+          <a:xfrm>
+            <a:off x="9971902" y="4778069"/>
+            <a:ext cx="1396985" cy="369332"/>
+          </a:xfrm>
+          <a:prstGeom prst="rect">
+            <a:avLst/>
+          </a:prstGeom>
+          <a:noFill/>
+        </p:spPr>
+        <p:txBody>
+          <a:bodyPr wrap="none" rtlCol="0">
+            <a:spAutoFit/>
+          </a:bodyPr>
+          <a:lstStyle/>
+          <a:p>
+            <a:r>
+              <a:rPr lang="en-US" dirty="0" err="1" smtClean="0"/>
+              <a:t>form.Close</a:t>
+            </a:r>
+            <a:r>
+              <a:rPr lang="en-US" dirty="0" smtClean="0"/>
+              <a:t>();</a:t>
             </a:r>
             <a:endParaRPr lang="en-US" dirty="0"/>
           </a:p>
